--- a/solutions/github/cyber-security/advanced-security/presales/executive-presentation.pptx
+++ b/solutions/github/cyber-security/advanced-security/presales/executive-presentation.pptx
@@ -12,19 +12,6 @@
     <p:sldId id="257" r:id="rId8"/>
     <p:sldId id="258" r:id="rId6"/>
     <p:sldId id="259" r:id="rId5"/>
-    <p:sldId id="260" r:id="rId4"/>
-    <p:sldId id="261" r:id="rId3"/>
-    <p:sldId id="262" r:id="rId2"/>
-    <p:sldId id="263" r:id="rId14"/>
-    <p:sldId id="264" r:id="rId15"/>
-    <p:sldId id="265" r:id="rId16"/>
-    <p:sldId id="266" r:id="rId17"/>
-    <p:sldId id="267" r:id="rId18"/>
-    <p:sldId id="268" r:id="rId19"/>
-    <p:sldId id="269" r:id="rId20"/>
-    <p:sldId id="270" r:id="rId21"/>
-    <p:sldId id="271" r:id="rId22"/>
-    <p:sldId id="272" r:id="rId23"/>
   </p:sldIdLst>
   <p:sldSz cx="9144000" cy="5143500" type="screen16x9"/>
   <p:notesSz cx="5143500" cy="9144000"/>
@@ -3241,1541 +3228,7 @@
 </p:sld>
 </file>
 
-<file path=ppt/slides/slide10.xml><?xml version="1.0" encoding="utf-8"?>
-<p:sld xmlns:a="http://schemas.openxmlformats.org/drawingml/2006/main" xmlns:p="http://schemas.openxmlformats.org/presentationml/2006/main" xmlns:r="http://schemas.openxmlformats.org/officeDocument/2006/relationships">
-  <p:cSld>
-    <p:spTree>
-      <p:nvGrpSpPr>
-        <p:cNvPr id="1" name=""/>
-        <p:cNvGrpSpPr/>
-        <p:nvPr/>
-      </p:nvGrpSpPr>
-      <p:grpSpPr/>
-      <p:sp>
-        <p:nvSpPr>
-          <p:cNvPr id="2" name="Text Placeholder 1"/>
-          <p:cNvSpPr>
-            <a:spLocks noGrp="1"/>
-          </p:cNvSpPr>
-          <p:nvPr>
-            <p:ph type="body" idx="10" sz="quarter"/>
-          </p:nvPr>
-        </p:nvSpPr>
-        <p:spPr/>
-        <p:txBody>
-          <a:bodyPr/>
-          <a:lstStyle/>
-          <a:p>
-            <a:r>
-              <a:t>Slide 10: Implementation Approach</a:t>
-            </a:r>
-          </a:p>
-        </p:txBody>
-      </p:sp>
-      <p:sp>
-        <p:nvSpPr>
-          <p:cNvPr id="3" name="Picture Placeholder 2"/>
-          <p:cNvSpPr>
-            <a:spLocks noGrp="1"/>
-          </p:cNvSpPr>
-          <p:nvPr>
-            <p:ph type="pic" idx="13" sz="quarter"/>
-          </p:nvPr>
-        </p:nvSpPr>
-        <p:spPr/>
-      </p:sp>
-      <p:sp>
-        <p:nvSpPr>
-          <p:cNvPr id="4" name="Text Placeholder 3"/>
-          <p:cNvSpPr>
-            <a:spLocks noGrp="1"/>
-          </p:cNvSpPr>
-          <p:nvPr>
-            <p:ph type="body" idx="14" sz="quarter"/>
-          </p:nvPr>
-        </p:nvSpPr>
-        <p:spPr/>
-        <p:txBody>
-          <a:bodyPr/>
-          <a:lstStyle/>
-          <a:p>
-            <a:pPr/>
-            <a:r>
-              <a:t>[Key milestone 1]</a:t>
-            </a:r>
-          </a:p>
-          <a:p>
-            <a:pPr/>
-            <a:r>
-              <a:t>[Key milestone 2]</a:t>
-            </a:r>
-          </a:p>
-          <a:p>
-            <a:pPr/>
-            <a:r>
-              <a:t>[Key milestone 1]</a:t>
-            </a:r>
-          </a:p>
-          <a:p>
-            <a:pPr/>
-            <a:r>
-              <a:t>[Key milestone 2]</a:t>
-            </a:r>
-          </a:p>
-          <a:p>
-            <a:pPr/>
-            <a:r>
-              <a:t>[Key milestone 1]</a:t>
-            </a:r>
-          </a:p>
-          <a:p>
-            <a:pPr/>
-            <a:r>
-              <a:t>[Key milestone 2]</a:t>
-            </a:r>
-          </a:p>
-          <a:p>
-            <a:pPr/>
-            <a:r>
-              <a:t>Dedicated project team</a:t>
-            </a:r>
-          </a:p>
-          <a:p>
-            <a:pPr/>
-            <a:r>
-              <a:t>Executive sponsorship</a:t>
-            </a:r>
-          </a:p>
-          <a:p>
-            <a:pPr/>
-            <a:r>
-              <a:t>Change management focus</a:t>
-            </a:r>
-          </a:p>
-        </p:txBody>
-      </p:sp>
-    </p:spTree>
-  </p:cSld>
-  <p:clrMapOvr>
-    <a:masterClrMapping/>
-  </p:clrMapOvr>
-</p:sld>
-</file>
-
-<file path=ppt/slides/slide11.xml><?xml version="1.0" encoding="utf-8"?>
-<p:sld xmlns:a="http://schemas.openxmlformats.org/drawingml/2006/main" xmlns:p="http://schemas.openxmlformats.org/presentationml/2006/main" xmlns:r="http://schemas.openxmlformats.org/officeDocument/2006/relationships">
-  <p:cSld>
-    <p:spTree>
-      <p:nvGrpSpPr>
-        <p:cNvPr id="1" name=""/>
-        <p:cNvGrpSpPr/>
-        <p:nvPr/>
-      </p:nvGrpSpPr>
-      <p:grpSpPr/>
-      <p:sp>
-        <p:nvSpPr>
-          <p:cNvPr id="2" name="Text Placeholder 1"/>
-          <p:cNvSpPr>
-            <a:spLocks noGrp="1"/>
-          </p:cNvSpPr>
-          <p:nvPr>
-            <p:ph type="body" idx="10" sz="quarter"/>
-          </p:nvPr>
-        </p:nvSpPr>
-        <p:spPr/>
-        <p:txBody>
-          <a:bodyPr/>
-          <a:lstStyle/>
-          <a:p>
-            <a:pPr algn="l"/>
-            <a:r>
-              <a:rPr b="1"/>
-              <a:t>Slide 11: Risk Mitigation</a:t>
-            </a:r>
-          </a:p>
-        </p:txBody>
-      </p:sp>
-      <p:sp>
-        <p:nvSpPr>
-          <p:cNvPr id="3" name="Picture Placeholder 2"/>
-          <p:cNvSpPr>
-            <a:spLocks noGrp="1"/>
-          </p:cNvSpPr>
-          <p:nvPr>
-            <p:ph type="pic" idx="13" sz="quarter"/>
-          </p:nvPr>
-        </p:nvSpPr>
-        <p:spPr/>
-      </p:sp>
-      <p:graphicFrame>
-        <p:nvGraphicFramePr>
-          <p:cNvPr id="4" name="Table Placeholder 3"/>
-          <p:cNvGraphicFramePr>
-            <a:graphicFrameLocks noGrp="1"/>
-          </p:cNvGraphicFramePr>
-          <p:nvPr>
-            <p:ph type="tbl" idx="14" sz="quarter"/>
-          </p:nvPr>
-        </p:nvGraphicFramePr>
-        <p:xfrm>
-          <a:off x="256855" y="677011"/>
-          <a:ext cx="8710932" cy="1483360"/>
-        </p:xfrm>
-        <a:graphic>
-          <a:graphicData uri="http://schemas.openxmlformats.org/drawingml/2006/table">
-            <a:tbl>
-              <a:tblPr firstRow="1" bandRow="1">
-                <a:tableStyleId>{5C22544A-7EE6-4342-B048-85BDC9FD1C3A}</a:tableStyleId>
-              </a:tblPr>
-              <a:tblGrid>
-                <a:gridCol w="2903644"/>
-                <a:gridCol w="2903644"/>
-                <a:gridCol w="2903644"/>
-              </a:tblGrid>
-              <a:tr h="370840">
-                <a:tc>
-                  <a:txBody>
-                    <a:bodyPr/>
-                    <a:lstStyle/>
-                    <a:p>
-                      <a:r>
-                        <a:rPr b="1" sz="1400">
-                          <a:solidFill>
-                            <a:srgbClr val="FFFFFF"/>
-                          </a:solidFill>
-                        </a:rPr>
-                        <a:t>Risk</a:t>
-                      </a:r>
-                    </a:p>
-                  </a:txBody>
-                  <a:tcPr>
-                    <a:solidFill>
-                      <a:srgbClr val="A01C02"/>
-                    </a:solidFill>
-                  </a:tcPr>
-                </a:tc>
-                <a:tc>
-                  <a:txBody>
-                    <a:bodyPr/>
-                    <a:lstStyle/>
-                    <a:p>
-                      <a:r>
-                        <a:rPr b="1" sz="1400">
-                          <a:solidFill>
-                            <a:srgbClr val="FFFFFF"/>
-                          </a:solidFill>
-                        </a:rPr>
-                        <a:t>Mitigation Strategy</a:t>
-                      </a:r>
-                    </a:p>
-                  </a:txBody>
-                  <a:tcPr>
-                    <a:solidFill>
-                      <a:srgbClr val="A01C02"/>
-                    </a:solidFill>
-                  </a:tcPr>
-                </a:tc>
-                <a:tc>
-                  <a:txBody>
-                    <a:bodyPr/>
-                    <a:lstStyle/>
-                    <a:p>
-                      <a:r>
-                        <a:rPr b="1" sz="1400">
-                          <a:solidFill>
-                            <a:srgbClr val="FFFFFF"/>
-                          </a:solidFill>
-                        </a:rPr>
-                        <a:t>Success Probability</a:t>
-                      </a:r>
-                    </a:p>
-                  </a:txBody>
-                  <a:tcPr>
-                    <a:solidFill>
-                      <a:srgbClr val="A01C02"/>
-                    </a:solidFill>
-                  </a:tcPr>
-                </a:tc>
-              </a:tr>
-              <a:tr h="370840">
-                <a:tc>
-                  <a:txBody>
-                    <a:bodyPr/>
-                    <a:lstStyle/>
-                    <a:p>
-                      <a:r>
-                        <a:rPr sz="1100"/>
-                        <a:t>[Risk 1]</a:t>
-                      </a:r>
-                    </a:p>
-                  </a:txBody>
-                  <a:tcPr>
-                    <a:solidFill>
-                      <a:srgbClr val="E7E6E6"/>
-                    </a:solidFill>
-                  </a:tcPr>
-                </a:tc>
-                <a:tc>
-                  <a:txBody>
-                    <a:bodyPr/>
-                    <a:lstStyle/>
-                    <a:p>
-                      <a:r>
-                        <a:rPr sz="1100"/>
-                        <a:t>[Mitigation approach]</a:t>
-                      </a:r>
-                    </a:p>
-                  </a:txBody>
-                  <a:tcPr>
-                    <a:solidFill>
-                      <a:srgbClr val="E7E6E6"/>
-                    </a:solidFill>
-                  </a:tcPr>
-                </a:tc>
-                <a:tc>
-                  <a:txBody>
-                    <a:bodyPr/>
-                    <a:lstStyle/>
-                    <a:p>
-                      <a:r>
-                        <a:rPr sz="1100"/>
-                        <a:t>[Percentage]</a:t>
-                      </a:r>
-                    </a:p>
-                  </a:txBody>
-                  <a:tcPr>
-                    <a:solidFill>
-                      <a:srgbClr val="E7E6E6"/>
-                    </a:solidFill>
-                  </a:tcPr>
-                </a:tc>
-              </a:tr>
-              <a:tr h="370840">
-                <a:tc>
-                  <a:txBody>
-                    <a:bodyPr/>
-                    <a:lstStyle/>
-                    <a:p>
-                      <a:r>
-                        <a:rPr sz="1100"/>
-                        <a:t>[Risk 2]</a:t>
-                      </a:r>
-                    </a:p>
-                  </a:txBody>
-                  <a:tcPr>
-                    <a:solidFill>
-                      <a:srgbClr val="E7E6E6"/>
-                    </a:solidFill>
-                  </a:tcPr>
-                </a:tc>
-                <a:tc>
-                  <a:txBody>
-                    <a:bodyPr/>
-                    <a:lstStyle/>
-                    <a:p>
-                      <a:r>
-                        <a:rPr sz="1100"/>
-                        <a:t>[Mitigation approach]</a:t>
-                      </a:r>
-                    </a:p>
-                  </a:txBody>
-                  <a:tcPr>
-                    <a:solidFill>
-                      <a:srgbClr val="E7E6E6"/>
-                    </a:solidFill>
-                  </a:tcPr>
-                </a:tc>
-                <a:tc>
-                  <a:txBody>
-                    <a:bodyPr/>
-                    <a:lstStyle/>
-                    <a:p>
-                      <a:r>
-                        <a:rPr sz="1100"/>
-                        <a:t>[Percentage]</a:t>
-                      </a:r>
-                    </a:p>
-                  </a:txBody>
-                  <a:tcPr>
-                    <a:solidFill>
-                      <a:srgbClr val="E7E6E6"/>
-                    </a:solidFill>
-                  </a:tcPr>
-                </a:tc>
-              </a:tr>
-              <a:tr h="370840">
-                <a:tc>
-                  <a:txBody>
-                    <a:bodyPr/>
-                    <a:lstStyle/>
-                    <a:p>
-                      <a:r>
-                        <a:rPr b="1" sz="1100"/>
-                        <a:t>[Risk 3]</a:t>
-                      </a:r>
-                    </a:p>
-                  </a:txBody>
-                  <a:tcPr>
-                    <a:solidFill>
-                      <a:srgbClr val="E7E6E6"/>
-                    </a:solidFill>
-                  </a:tcPr>
-                </a:tc>
-                <a:tc>
-                  <a:txBody>
-                    <a:bodyPr/>
-                    <a:lstStyle/>
-                    <a:p>
-                      <a:r>
-                        <a:rPr b="1" sz="1100"/>
-                        <a:t>[Mitigation approach]</a:t>
-                      </a:r>
-                    </a:p>
-                  </a:txBody>
-                  <a:tcPr>
-                    <a:solidFill>
-                      <a:srgbClr val="E7E6E6"/>
-                    </a:solidFill>
-                  </a:tcPr>
-                </a:tc>
-                <a:tc>
-                  <a:txBody>
-                    <a:bodyPr/>
-                    <a:lstStyle/>
-                    <a:p>
-                      <a:r>
-                        <a:rPr b="1" sz="1100"/>
-                        <a:t>[Percentage]</a:t>
-                      </a:r>
-                    </a:p>
-                  </a:txBody>
-                  <a:tcPr>
-                    <a:solidFill>
-                      <a:srgbClr val="E7E6E6"/>
-                    </a:solidFill>
-                  </a:tcPr>
-                </a:tc>
-              </a:tr>
-            </a:tbl>
-          </a:graphicData>
-        </a:graphic>
-      </p:graphicFrame>
-    </p:spTree>
-  </p:cSld>
-  <p:clrMapOvr>
-    <a:masterClrMapping/>
-  </p:clrMapOvr>
-</p:sld>
-</file>
-
-<file path=ppt/slides/slide12.xml><?xml version="1.0" encoding="utf-8"?>
-<p:sld xmlns:a="http://schemas.openxmlformats.org/drawingml/2006/main" xmlns:p="http://schemas.openxmlformats.org/presentationml/2006/main" xmlns:r="http://schemas.openxmlformats.org/officeDocument/2006/relationships">
-  <p:cSld>
-    <p:spTree>
-      <p:nvGrpSpPr>
-        <p:cNvPr id="1" name=""/>
-        <p:cNvGrpSpPr/>
-        <p:nvPr/>
-      </p:nvGrpSpPr>
-      <p:grpSpPr/>
-      <p:sp>
-        <p:nvSpPr>
-          <p:cNvPr id="2" name="Text Placeholder 1"/>
-          <p:cNvSpPr>
-            <a:spLocks noGrp="1"/>
-          </p:cNvSpPr>
-          <p:nvPr>
-            <p:ph type="body" idx="10" sz="quarter"/>
-          </p:nvPr>
-        </p:nvSpPr>
-        <p:spPr/>
-        <p:txBody>
-          <a:bodyPr/>
-          <a:lstStyle/>
-          <a:p>
-            <a:r>
-              <a:t>Slide 12: Investment Summary</a:t>
-            </a:r>
-          </a:p>
-        </p:txBody>
-      </p:sp>
-      <p:sp>
-        <p:nvSpPr>
-          <p:cNvPr id="3" name="Picture Placeholder 2"/>
-          <p:cNvSpPr>
-            <a:spLocks noGrp="1"/>
-          </p:cNvSpPr>
-          <p:nvPr>
-            <p:ph type="pic" idx="14" sz="quarter"/>
-          </p:nvPr>
-        </p:nvSpPr>
-        <p:spPr/>
-      </p:sp>
-      <p:sp>
-        <p:nvSpPr>
-          <p:cNvPr id="4" name="Chart Placeholder 3"/>
-          <p:cNvSpPr>
-            <a:spLocks noGrp="1"/>
-          </p:cNvSpPr>
-          <p:nvPr>
-            <p:ph type="chart" idx="15" sz="quarter"/>
-          </p:nvPr>
-        </p:nvSpPr>
-        <p:spPr/>
-      </p:sp>
-      <p:sp>
-        <p:nvSpPr>
-          <p:cNvPr id="5" name="Content Placeholder 4"/>
-          <p:cNvSpPr>
-            <a:spLocks noGrp="1"/>
-          </p:cNvSpPr>
-          <p:nvPr>
-            <p:ph idx="16" sz="quarter"/>
-          </p:nvPr>
-        </p:nvSpPr>
-        <p:spPr/>
-        <p:txBody>
-          <a:bodyPr/>
-          <a:lstStyle/>
-          <a:p/>
-        </p:txBody>
-      </p:sp>
-    </p:spTree>
-  </p:cSld>
-  <p:clrMapOvr>
-    <a:masterClrMapping/>
-  </p:clrMapOvr>
-</p:sld>
-</file>
-
-<file path=ppt/slides/slide13.xml><?xml version="1.0" encoding="utf-8"?>
-<p:sld xmlns:a="http://schemas.openxmlformats.org/drawingml/2006/main" xmlns:p="http://schemas.openxmlformats.org/presentationml/2006/main" xmlns:r="http://schemas.openxmlformats.org/officeDocument/2006/relationships">
-  <p:cSld>
-    <p:spTree>
-      <p:nvGrpSpPr>
-        <p:cNvPr id="1" name=""/>
-        <p:cNvGrpSpPr/>
-        <p:nvPr/>
-      </p:nvGrpSpPr>
-      <p:grpSpPr/>
-      <p:sp>
-        <p:nvSpPr>
-          <p:cNvPr id="2" name="Text Placeholder 1"/>
-          <p:cNvSpPr>
-            <a:spLocks noGrp="1"/>
-          </p:cNvSpPr>
-          <p:nvPr>
-            <p:ph type="body" idx="10" sz="quarter"/>
-          </p:nvPr>
-        </p:nvSpPr>
-        <p:spPr/>
-        <p:txBody>
-          <a:bodyPr/>
-          <a:lstStyle/>
-          <a:p>
-            <a:pPr algn="l"/>
-            <a:r>
-              <a:rPr b="1"/>
-              <a:t>Slide 13: Timeline &amp; Milestones</a:t>
-            </a:r>
-          </a:p>
-        </p:txBody>
-      </p:sp>
-      <p:sp>
-        <p:nvSpPr>
-          <p:cNvPr id="3" name="Picture Placeholder 2"/>
-          <p:cNvSpPr>
-            <a:spLocks noGrp="1"/>
-          </p:cNvSpPr>
-          <p:nvPr>
-            <p:ph type="pic" idx="13" sz="quarter"/>
-          </p:nvPr>
-        </p:nvSpPr>
-        <p:spPr/>
-      </p:sp>
-      <p:sp>
-        <p:nvSpPr>
-          <p:cNvPr id="4" name="Table Placeholder 3"/>
-          <p:cNvSpPr>
-            <a:spLocks noGrp="1"/>
-          </p:cNvSpPr>
-          <p:nvPr>
-            <p:ph type="tbl" idx="14" sz="quarter"/>
-          </p:nvPr>
-        </p:nvSpPr>
-        <p:spPr/>
-      </p:sp>
-    </p:spTree>
-  </p:cSld>
-  <p:clrMapOvr>
-    <a:masterClrMapping/>
-  </p:clrMapOvr>
-</p:sld>
-</file>
-
-<file path=ppt/slides/slide14.xml><?xml version="1.0" encoding="utf-8"?>
-<p:sld xmlns:a="http://schemas.openxmlformats.org/drawingml/2006/main" xmlns:p="http://schemas.openxmlformats.org/presentationml/2006/main" xmlns:r="http://schemas.openxmlformats.org/officeDocument/2006/relationships">
-  <p:cSld>
-    <p:spTree>
-      <p:nvGrpSpPr>
-        <p:cNvPr id="1" name=""/>
-        <p:cNvGrpSpPr/>
-        <p:nvPr/>
-      </p:nvGrpSpPr>
-      <p:grpSpPr/>
-      <p:sp>
-        <p:nvSpPr>
-          <p:cNvPr id="2" name="Text Placeholder 1"/>
-          <p:cNvSpPr>
-            <a:spLocks noGrp="1"/>
-          </p:cNvSpPr>
-          <p:nvPr>
-            <p:ph type="body" idx="10" sz="quarter"/>
-          </p:nvPr>
-        </p:nvSpPr>
-        <p:spPr/>
-        <p:txBody>
-          <a:bodyPr/>
-          <a:lstStyle/>
-          <a:p>
-            <a:r>
-              <a:t>Slide 14: Success Stories</a:t>
-            </a:r>
-          </a:p>
-        </p:txBody>
-      </p:sp>
-      <p:sp>
-        <p:nvSpPr>
-          <p:cNvPr id="3" name="Picture Placeholder 2"/>
-          <p:cNvSpPr>
-            <a:spLocks noGrp="1"/>
-          </p:cNvSpPr>
-          <p:nvPr>
-            <p:ph type="pic" idx="13" sz="quarter"/>
-          </p:nvPr>
-        </p:nvSpPr>
-        <p:spPr/>
-      </p:sp>
-      <p:sp>
-        <p:nvSpPr>
-          <p:cNvPr id="4" name="Text Placeholder 3"/>
-          <p:cNvSpPr>
-            <a:spLocks noGrp="1"/>
-          </p:cNvSpPr>
-          <p:nvPr>
-            <p:ph type="body" idx="14" sz="quarter"/>
-          </p:nvPr>
-        </p:nvSpPr>
-        <p:spPr/>
-        <p:txBody>
-          <a:bodyPr/>
-          <a:lstStyle/>
-          <a:p>
-            <a:pPr/>
-            <a:r>
-              <a:t>Challenge: [Similar challenge]</a:t>
-            </a:r>
-          </a:p>
-          <a:p>
-            <a:pPr/>
-            <a:r>
-              <a:t>Solution: [Similar solution]</a:t>
-            </a:r>
-          </a:p>
-          <a:p>
-            <a:pPr/>
-            <a:r>
-              <a:t>Results: [Quantified results]</a:t>
-            </a:r>
-          </a:p>
-          <a:p>
-            <a:pPr/>
-            <a:r>
-              <a:t>[Award/recognition 1]</a:t>
-            </a:r>
-          </a:p>
-          <a:p>
-            <a:pPr/>
-            <a:r>
-              <a:t>[Award/recognition 2]</a:t>
-            </a:r>
-          </a:p>
-          <a:p>
-            <a:pPr/>
-            <a:r>
-              <a:t>[Client Name, Title, Company]</a:t>
-            </a:r>
-          </a:p>
-        </p:txBody>
-      </p:sp>
-    </p:spTree>
-  </p:cSld>
-  <p:clrMapOvr>
-    <a:masterClrMapping/>
-  </p:clrMapOvr>
-</p:sld>
-</file>
-
-<file path=ppt/slides/slide15.xml><?xml version="1.0" encoding="utf-8"?>
-<p:sld xmlns:a="http://schemas.openxmlformats.org/drawingml/2006/main" xmlns:p="http://schemas.openxmlformats.org/presentationml/2006/main" xmlns:r="http://schemas.openxmlformats.org/officeDocument/2006/relationships">
-  <p:cSld>
-    <p:spTree>
-      <p:nvGrpSpPr>
-        <p:cNvPr id="1" name=""/>
-        <p:cNvGrpSpPr/>
-        <p:nvPr/>
-      </p:nvGrpSpPr>
-      <p:grpSpPr/>
-      <p:sp>
-        <p:nvSpPr>
-          <p:cNvPr id="2" name="Text Placeholder 1"/>
-          <p:cNvSpPr>
-            <a:spLocks noGrp="1"/>
-          </p:cNvSpPr>
-          <p:nvPr>
-            <p:ph type="body" idx="10" sz="quarter"/>
-          </p:nvPr>
-        </p:nvSpPr>
-        <p:spPr/>
-        <p:txBody>
-          <a:bodyPr/>
-          <a:lstStyle/>
-          <a:p>
-            <a:r>
-              <a:t>Slide 15: Our Partnership Advantage</a:t>
-            </a:r>
-          </a:p>
-        </p:txBody>
-      </p:sp>
-      <p:sp>
-        <p:nvSpPr>
-          <p:cNvPr id="3" name="Picture Placeholder 2"/>
-          <p:cNvSpPr>
-            <a:spLocks noGrp="1"/>
-          </p:cNvSpPr>
-          <p:nvPr>
-            <p:ph type="pic" idx="14" sz="quarter"/>
-          </p:nvPr>
-        </p:nvSpPr>
-        <p:spPr/>
-      </p:sp>
-      <p:sp>
-        <p:nvSpPr>
-          <p:cNvPr id="4" name="Text Placeholder 3"/>
-          <p:cNvSpPr>
-            <a:spLocks noGrp="1"/>
-          </p:cNvSpPr>
-          <p:nvPr>
-            <p:ph type="body" idx="16" sz="quarter"/>
-          </p:nvPr>
-        </p:nvSpPr>
-        <p:spPr/>
-        <p:txBody>
-          <a:bodyPr/>
-          <a:lstStyle/>
-          <a:p>
-            <a:pPr/>
-            <a:r>
-              <a:t>[Years] years of experience</a:t>
-            </a:r>
-          </a:p>
-          <a:p>
-            <a:pPr/>
-            <a:r>
-              <a:t>[Number] successful implementations</a:t>
-            </a:r>
-          </a:p>
-          <a:p>
-            <a:pPr/>
-            <a:r>
-              <a:t>[Certification/partnership level]</a:t>
-            </a:r>
-          </a:p>
-          <a:p>
-            <a:pPr/>
-            <a:r>
-              <a:t>End-to-end implementation</a:t>
-            </a:r>
-          </a:p>
-        </p:txBody>
-      </p:sp>
-      <p:sp>
-        <p:nvSpPr>
-          <p:cNvPr id="5" name="Text Placeholder 4"/>
-          <p:cNvSpPr>
-            <a:spLocks noGrp="1"/>
-          </p:cNvSpPr>
-          <p:nvPr>
-            <p:ph type="body" idx="17" sz="quarter"/>
-          </p:nvPr>
-        </p:nvSpPr>
-        <p:spPr/>
-        <p:txBody>
-          <a:bodyPr/>
-          <a:lstStyle/>
-          <a:p>
-            <a:pPr/>
-            <a:r>
-              <a:t>24/7 support post-launch</a:t>
-            </a:r>
-          </a:p>
-          <a:p>
-            <a:pPr/>
-            <a:r>
-              <a:t>Ongoing optimization</a:t>
-            </a:r>
-          </a:p>
-          <a:p>
-            <a:pPr/>
-            <a:r>
-              <a:t>[Recognition 1]</a:t>
-            </a:r>
-          </a:p>
-          <a:p>
-            <a:pPr/>
-            <a:r>
-              <a:t>[Recognition 2]</a:t>
-            </a:r>
-          </a:p>
-        </p:txBody>
-      </p:sp>
-    </p:spTree>
-  </p:cSld>
-  <p:clrMapOvr>
-    <a:masterClrMapping/>
-  </p:clrMapOvr>
-</p:sld>
-</file>
-
-<file path=ppt/slides/slide16.xml><?xml version="1.0" encoding="utf-8"?>
-<p:sld xmlns:a="http://schemas.openxmlformats.org/drawingml/2006/main" xmlns:p="http://schemas.openxmlformats.org/presentationml/2006/main" xmlns:r="http://schemas.openxmlformats.org/officeDocument/2006/relationships">
-  <p:cSld>
-    <p:spTree>
-      <p:nvGrpSpPr>
-        <p:cNvPr id="1" name=""/>
-        <p:cNvGrpSpPr/>
-        <p:nvPr/>
-      </p:nvGrpSpPr>
-      <p:grpSpPr/>
-      <p:sp>
-        <p:nvSpPr>
-          <p:cNvPr id="2" name="Text Placeholder 1"/>
-          <p:cNvSpPr>
-            <a:spLocks noGrp="1"/>
-          </p:cNvSpPr>
-          <p:nvPr>
-            <p:ph type="body" idx="10" sz="quarter"/>
-          </p:nvPr>
-        </p:nvSpPr>
-        <p:spPr/>
-        <p:txBody>
-          <a:bodyPr/>
-          <a:lstStyle/>
-          <a:p>
-            <a:r>
-              <a:t>Slide 16: Next Steps</a:t>
-            </a:r>
-          </a:p>
-        </p:txBody>
-      </p:sp>
-      <p:sp>
-        <p:nvSpPr>
-          <p:cNvPr id="3" name="Picture Placeholder 2"/>
-          <p:cNvSpPr>
-            <a:spLocks noGrp="1"/>
-          </p:cNvSpPr>
-          <p:nvPr>
-            <p:ph type="pic" idx="13" sz="quarter"/>
-          </p:nvPr>
-        </p:nvSpPr>
-        <p:spPr/>
-      </p:sp>
-      <p:sp>
-        <p:nvSpPr>
-          <p:cNvPr id="4" name="Text Placeholder 3"/>
-          <p:cNvSpPr>
-            <a:spLocks noGrp="1"/>
-          </p:cNvSpPr>
-          <p:nvPr>
-            <p:ph type="body" idx="14" sz="quarter"/>
-          </p:nvPr>
-        </p:nvSpPr>
-        <p:spPr/>
-        <p:txBody>
-          <a:bodyPr/>
-          <a:lstStyle/>
-          <a:p>
-            <a:pPr/>
-            <a:r>
-              <a:t>Decision: [Specific decision needed]</a:t>
-            </a:r>
-          </a:p>
-          <a:p>
-            <a:pPr/>
-            <a:r>
-              <a:t>Kickoff: [Target start date]</a:t>
-            </a:r>
-          </a:p>
-          <a:p>
-            <a:pPr/>
-            <a:r>
-              <a:t>Team Formation: [Key team members]</a:t>
-            </a:r>
-          </a:p>
-          <a:p>
-            <a:pPr/>
-            <a:r>
-              <a:t>Week 1: Contract finalization</a:t>
-            </a:r>
-          </a:p>
-          <a:p>
-            <a:pPr/>
-            <a:r>
-              <a:t>Week 2: Project initiation</a:t>
-            </a:r>
-          </a:p>
-          <a:p>
-            <a:pPr/>
-            <a:r>
-              <a:t>Week 3: Environment setup</a:t>
-            </a:r>
-          </a:p>
-          <a:p>
-            <a:pPr/>
-            <a:r>
-              <a:t>Week 4: Initial implementation</a:t>
-            </a:r>
-          </a:p>
-        </p:txBody>
-      </p:sp>
-    </p:spTree>
-  </p:cSld>
-  <p:clrMapOvr>
-    <a:masterClrMapping/>
-  </p:clrMapOvr>
-</p:sld>
-</file>
-
-<file path=ppt/slides/slide17.xml><?xml version="1.0" encoding="utf-8"?>
-<p:sld xmlns:a="http://schemas.openxmlformats.org/drawingml/2006/main" xmlns:p="http://schemas.openxmlformats.org/presentationml/2006/main" xmlns:r="http://schemas.openxmlformats.org/officeDocument/2006/relationships">
-  <p:cSld>
-    <p:spTree>
-      <p:nvGrpSpPr>
-        <p:cNvPr id="1" name=""/>
-        <p:cNvGrpSpPr/>
-        <p:nvPr/>
-      </p:nvGrpSpPr>
-      <p:grpSpPr/>
-      <p:sp>
-        <p:nvSpPr>
-          <p:cNvPr id="2" name="Picture Placeholder 1"/>
-          <p:cNvSpPr>
-            <a:spLocks noGrp="1"/>
-          </p:cNvSpPr>
-          <p:nvPr>
-            <p:ph type="pic" idx="10" sz="quarter"/>
-          </p:nvPr>
-        </p:nvSpPr>
-        <p:spPr/>
-      </p:sp>
-      <p:sp>
-        <p:nvSpPr>
-          <p:cNvPr id="3" name="Text Placeholder 2"/>
-          <p:cNvSpPr>
-            <a:spLocks noGrp="1"/>
-          </p:cNvSpPr>
-          <p:nvPr>
-            <p:ph type="body" idx="12" sz="quarter"/>
-          </p:nvPr>
-        </p:nvSpPr>
-        <p:spPr/>
-        <p:txBody>
-          <a:bodyPr/>
-          <a:lstStyle/>
-          <a:p>
-            <a:r>
-              <a:t>Slide 17: Contact Information</a:t>
-            </a:r>
-          </a:p>
-        </p:txBody>
-      </p:sp>
-      <p:sp>
-        <p:nvSpPr>
-          <p:cNvPr id="4" name="Picture Placeholder 3"/>
-          <p:cNvSpPr>
-            <a:spLocks noGrp="1"/>
-          </p:cNvSpPr>
-          <p:nvPr>
-            <p:ph type="pic" idx="13" sz="quarter"/>
-          </p:nvPr>
-        </p:nvSpPr>
-        <p:spPr/>
-      </p:sp>
-      <p:sp>
-        <p:nvSpPr>
-          <p:cNvPr id="5" name="Text Placeholder 4"/>
-          <p:cNvSpPr>
-            <a:spLocks noGrp="1"/>
-          </p:cNvSpPr>
-          <p:nvPr>
-            <p:ph type="body" idx="14" sz="quarter"/>
-          </p:nvPr>
-        </p:nvSpPr>
-        <p:spPr/>
-        <p:txBody>
-          <a:bodyPr/>
-          <a:lstStyle/>
-          <a:p/>
-        </p:txBody>
-      </p:sp>
-      <p:sp>
-        <p:nvSpPr>
-          <p:cNvPr id="6" name="Text Placeholder 5"/>
-          <p:cNvSpPr>
-            <a:spLocks noGrp="1"/>
-          </p:cNvSpPr>
-          <p:nvPr>
-            <p:ph type="body" idx="15" sz="quarter"/>
-          </p:nvPr>
-        </p:nvSpPr>
-        <p:spPr/>
-        <p:txBody>
-          <a:bodyPr/>
-          <a:lstStyle/>
-          <a:p/>
-        </p:txBody>
-      </p:sp>
-    </p:spTree>
-  </p:cSld>
-  <p:clrMapOvr>
-    <a:masterClrMapping/>
-  </p:clrMapOvr>
-</p:sld>
-</file>
-
 <file path=ppt/slides/slide2.xml><?xml version="1.0" encoding="utf-8"?>
-<p:sld xmlns:a="http://schemas.openxmlformats.org/drawingml/2006/main" xmlns:p="http://schemas.openxmlformats.org/presentationml/2006/main" xmlns:r="http://schemas.openxmlformats.org/officeDocument/2006/relationships">
-  <p:cSld>
-    <p:spTree>
-      <p:nvGrpSpPr>
-        <p:cNvPr id="1" name=""/>
-        <p:cNvGrpSpPr/>
-        <p:nvPr/>
-      </p:nvGrpSpPr>
-      <p:grpSpPr/>
-      <p:sp>
-        <p:nvSpPr>
-          <p:cNvPr id="2" name="Text Placeholder 1"/>
-          <p:cNvSpPr>
-            <a:spLocks noGrp="1"/>
-          </p:cNvSpPr>
-          <p:nvPr>
-            <p:ph type="body" idx="10" sz="quarter"/>
-          </p:nvPr>
-        </p:nvSpPr>
-        <p:spPr/>
-        <p:txBody>
-          <a:bodyPr/>
-          <a:lstStyle/>
-          <a:p>
-            <a:r>
-              <a:t>Slide 2: Agenda</a:t>
-            </a:r>
-          </a:p>
-        </p:txBody>
-      </p:sp>
-      <p:sp>
-        <p:nvSpPr>
-          <p:cNvPr id="3" name="Picture Placeholder 2"/>
-          <p:cNvSpPr>
-            <a:spLocks noGrp="1"/>
-          </p:cNvSpPr>
-          <p:nvPr>
-            <p:ph type="pic" idx="13" sz="quarter"/>
-          </p:nvPr>
-        </p:nvSpPr>
-        <p:spPr/>
-      </p:sp>
-      <p:sp>
-        <p:nvSpPr>
-          <p:cNvPr id="4" name="Text Placeholder 3"/>
-          <p:cNvSpPr>
-            <a:spLocks noGrp="1"/>
-          </p:cNvSpPr>
-          <p:nvPr>
-            <p:ph type="body" idx="14" sz="quarter"/>
-          </p:nvPr>
-        </p:nvSpPr>
-        <p:spPr/>
-        <p:txBody>
-          <a:bodyPr/>
-          <a:lstStyle/>
-          <a:p>
-            <a:pPr/>
-            <a:r>
-              <a:t>Business Challenge &amp; Opportunity</a:t>
-            </a:r>
-          </a:p>
-          <a:p>
-            <a:pPr/>
-            <a:r>
-              <a:t>Proposed Solution Overview</a:t>
-            </a:r>
-          </a:p>
-          <a:p>
-            <a:pPr/>
-            <a:r>
-              <a:t>Business Value &amp; ROI</a:t>
-            </a:r>
-          </a:p>
-          <a:p>
-            <a:pPr/>
-            <a:r>
-              <a:t>Implementation Approach</a:t>
-            </a:r>
-          </a:p>
-          <a:p>
-            <a:pPr/>
-            <a:r>
-              <a:t>Investment &amp; Next Steps</a:t>
-            </a:r>
-          </a:p>
-        </p:txBody>
-      </p:sp>
-    </p:spTree>
-  </p:cSld>
-  <p:clrMapOvr>
-    <a:masterClrMapping/>
-  </p:clrMapOvr>
-</p:sld>
-</file>
-
-<file path=ppt/slides/slide3.xml><?xml version="1.0" encoding="utf-8"?>
-<p:sld xmlns:a="http://schemas.openxmlformats.org/drawingml/2006/main" xmlns:p="http://schemas.openxmlformats.org/presentationml/2006/main" xmlns:r="http://schemas.openxmlformats.org/officeDocument/2006/relationships">
-  <p:cSld>
-    <p:spTree>
-      <p:nvGrpSpPr>
-        <p:cNvPr id="1" name=""/>
-        <p:cNvGrpSpPr/>
-        <p:nvPr/>
-      </p:nvGrpSpPr>
-      <p:grpSpPr/>
-      <p:sp>
-        <p:nvSpPr>
-          <p:cNvPr id="2" name="Text Placeholder 1"/>
-          <p:cNvSpPr>
-            <a:spLocks noGrp="1"/>
-          </p:cNvSpPr>
-          <p:nvPr>
-            <p:ph type="body" idx="10" sz="quarter"/>
-          </p:nvPr>
-        </p:nvSpPr>
-        <p:spPr/>
-        <p:txBody>
-          <a:bodyPr/>
-          <a:lstStyle/>
-          <a:p>
-            <a:r>
-              <a:t>Slide 3: Executive Summary</a:t>
-            </a:r>
-          </a:p>
-        </p:txBody>
-      </p:sp>
-      <p:sp>
-        <p:nvSpPr>
-          <p:cNvPr id="3" name="Picture Placeholder 2"/>
-          <p:cNvSpPr>
-            <a:spLocks noGrp="1"/>
-          </p:cNvSpPr>
-          <p:nvPr>
-            <p:ph type="pic" idx="13" sz="quarter"/>
-          </p:nvPr>
-        </p:nvSpPr>
-        <p:spPr/>
-      </p:sp>
-      <p:sp>
-        <p:nvSpPr>
-          <p:cNvPr id="4" name="Text Placeholder 3"/>
-          <p:cNvSpPr>
-            <a:spLocks noGrp="1"/>
-          </p:cNvSpPr>
-          <p:nvPr>
-            <p:ph type="body" idx="14" sz="quarter"/>
-          </p:nvPr>
-        </p:nvSpPr>
-        <p:spPr/>
-        <p:txBody>
-          <a:bodyPr/>
-          <a:lstStyle/>
-          <a:p>
-            <a:pPr/>
-            <a:r>
-              <a:t>[Key business challenge in 1 bullet point]</a:t>
-            </a:r>
-          </a:p>
-          <a:p>
-            <a:pPr/>
-            <a:r>
-              <a:t>[Solution approach in 1 bullet point]</a:t>
-            </a:r>
-          </a:p>
-          <a:p>
-            <a:pPr/>
-            <a:r>
-              <a:t>[Quantified benefit 1]</a:t>
-            </a:r>
-          </a:p>
-          <a:p>
-            <a:pPr/>
-            <a:r>
-              <a:t>[Quantified benefit 2]</a:t>
-            </a:r>
-          </a:p>
-          <a:p>
-            <a:pPr/>
-            <a:r>
-              <a:rPr b="1"/>
-              <a:t>ROI: [X]% over [Y] years</a:t>
-            </a:r>
-          </a:p>
-        </p:txBody>
-      </p:sp>
-    </p:spTree>
-  </p:cSld>
-  <p:clrMapOvr>
-    <a:masterClrMapping/>
-  </p:clrMapOvr>
-</p:sld>
-</file>
-
-<file path=ppt/slides/slide4.xml><?xml version="1.0" encoding="utf-8"?>
-<p:sld xmlns:a="http://schemas.openxmlformats.org/drawingml/2006/main" xmlns:p="http://schemas.openxmlformats.org/presentationml/2006/main" xmlns:r="http://schemas.openxmlformats.org/officeDocument/2006/relationships">
-  <p:cSld>
-    <p:spTree>
-      <p:nvGrpSpPr>
-        <p:cNvPr id="1" name=""/>
-        <p:cNvGrpSpPr/>
-        <p:nvPr/>
-      </p:nvGrpSpPr>
-      <p:grpSpPr/>
-      <p:sp>
-        <p:nvSpPr>
-          <p:cNvPr id="2" name="Text Placeholder 1"/>
-          <p:cNvSpPr>
-            <a:spLocks noGrp="1"/>
-          </p:cNvSpPr>
-          <p:nvPr>
-            <p:ph type="body" idx="10" sz="quarter"/>
-          </p:nvPr>
-        </p:nvSpPr>
-        <p:spPr/>
-        <p:txBody>
-          <a:bodyPr/>
-          <a:lstStyle/>
-          <a:p>
-            <a:r>
-              <a:t>Slide 4: Current State - Business Challenge</a:t>
-            </a:r>
-          </a:p>
-        </p:txBody>
-      </p:sp>
-      <p:sp>
-        <p:nvSpPr>
-          <p:cNvPr id="3" name="Picture Placeholder 2"/>
-          <p:cNvSpPr>
-            <a:spLocks noGrp="1"/>
-          </p:cNvSpPr>
-          <p:nvPr>
-            <p:ph type="pic" idx="13" sz="quarter"/>
-          </p:nvPr>
-        </p:nvSpPr>
-        <p:spPr/>
-      </p:sp>
-      <p:sp>
-        <p:nvSpPr>
-          <p:cNvPr id="4" name="Text Placeholder 3"/>
-          <p:cNvSpPr>
-            <a:spLocks noGrp="1"/>
-          </p:cNvSpPr>
-          <p:nvPr>
-            <p:ph type="body" idx="14" sz="quarter"/>
-          </p:nvPr>
-        </p:nvSpPr>
-        <p:spPr/>
-        <p:txBody>
-          <a:bodyPr/>
-          <a:lstStyle/>
-          <a:p>
-            <a:pPr/>
-            <a:r>
-              <a:rPr b="1"/>
-              <a:t>[Challenge 1]:</a:t>
-            </a:r>
-            <a:r>
-              <a:t> $[Cost Impact] annually</a:t>
-            </a:r>
-          </a:p>
-          <a:p>
-            <a:pPr/>
-            <a:r>
-              <a:rPr b="1"/>
-              <a:t>[Challenge 2]:</a:t>
-            </a:r>
-            <a:r>
-              <a:t> [Operational Impact]</a:t>
-            </a:r>
-          </a:p>
-          <a:p>
-            <a:pPr/>
-            <a:r>
-              <a:rPr b="1"/>
-              <a:t>[Challenge 3]:</a:t>
-            </a:r>
-            <a:r>
-              <a:t> [Strategic Impact]</a:t>
-            </a:r>
-          </a:p>
-          <a:p>
-            <a:pPr/>
-            <a:r>
-              <a:t>[Quantified impact statement]</a:t>
-            </a:r>
-          </a:p>
-          <a:p>
-            <a:pPr/>
-            <a:r>
-              <a:t>[Risk statement]</a:t>
-            </a:r>
-          </a:p>
-        </p:txBody>
-      </p:sp>
-    </p:spTree>
-  </p:cSld>
-  <p:clrMapOvr>
-    <a:masterClrMapping/>
-  </p:clrMapOvr>
-</p:sld>
-</file>
-
-<file path=ppt/slides/slide5.xml><?xml version="1.0" encoding="utf-8"?>
-<p:sld xmlns:a="http://schemas.openxmlformats.org/drawingml/2006/main" xmlns:p="http://schemas.openxmlformats.org/presentationml/2006/main" xmlns:r="http://schemas.openxmlformats.org/officeDocument/2006/relationships">
-  <p:cSld>
-    <p:spTree>
-      <p:nvGrpSpPr>
-        <p:cNvPr id="1" name=""/>
-        <p:cNvGrpSpPr/>
-        <p:nvPr/>
-      </p:nvGrpSpPr>
-      <p:grpSpPr/>
-      <p:sp>
-        <p:nvSpPr>
-          <p:cNvPr id="2" name="Text Placeholder 1"/>
-          <p:cNvSpPr>
-            <a:spLocks noGrp="1"/>
-          </p:cNvSpPr>
-          <p:nvPr>
-            <p:ph type="body" idx="10" sz="quarter"/>
-          </p:nvPr>
-        </p:nvSpPr>
-        <p:spPr/>
-        <p:txBody>
-          <a:bodyPr/>
-          <a:lstStyle/>
-          <a:p>
-            <a:r>
-              <a:t>Slide 5: Vision - Future State</a:t>
-            </a:r>
-          </a:p>
-        </p:txBody>
-      </p:sp>
-      <p:sp>
-        <p:nvSpPr>
-          <p:cNvPr id="3" name="Picture Placeholder 2"/>
-          <p:cNvSpPr>
-            <a:spLocks noGrp="1"/>
-          </p:cNvSpPr>
-          <p:nvPr>
-            <p:ph type="pic" idx="13" sz="quarter"/>
-          </p:nvPr>
-        </p:nvSpPr>
-        <p:spPr/>
-      </p:sp>
-      <p:sp>
-        <p:nvSpPr>
-          <p:cNvPr id="4" name="Text Placeholder 3"/>
-          <p:cNvSpPr>
-            <a:spLocks noGrp="1"/>
-          </p:cNvSpPr>
-          <p:nvPr>
-            <p:ph type="body" idx="14" sz="quarter"/>
-          </p:nvPr>
-        </p:nvSpPr>
-        <p:spPr/>
-        <p:txBody>
-          <a:bodyPr/>
-          <a:lstStyle/>
-          <a:p>
-            <a:pPr/>
-            <a:r>
-              <a:rPr b="1"/>
-              <a:t>[Benefit 1]:</a:t>
-            </a:r>
-            <a:r>
-              <a:t> [Quantified improvement]</a:t>
-            </a:r>
-          </a:p>
-          <a:p>
-            <a:pPr/>
-            <a:r>
-              <a:rPr b="1"/>
-              <a:t>[Benefit 2]:</a:t>
-            </a:r>
-            <a:r>
-              <a:t> [Quantified improvement]</a:t>
-            </a:r>
-          </a:p>
-          <a:p>
-            <a:pPr/>
-            <a:r>
-              <a:rPr b="1"/>
-              <a:t>[Benefit 3]:</a:t>
-            </a:r>
-            <a:r>
-              <a:t> [Quantified improvement]</a:t>
-            </a:r>
-          </a:p>
-          <a:p>
-            <a:pPr/>
-            <a:r>
-              <a:t>[Competitive advantage 1]</a:t>
-            </a:r>
-          </a:p>
-          <a:p>
-            <a:pPr/>
-            <a:r>
-              <a:t>[Competitive advantage 2]</a:t>
-            </a:r>
-          </a:p>
-        </p:txBody>
-      </p:sp>
-    </p:spTree>
-  </p:cSld>
-  <p:clrMapOvr>
-    <a:masterClrMapping/>
-  </p:clrMapOvr>
-</p:sld>
-</file>
-
-<file path=ppt/slides/slide6.xml><?xml version="1.0" encoding="utf-8"?>
-<p:sld xmlns:a="http://schemas.openxmlformats.org/drawingml/2006/main" xmlns:p="http://schemas.openxmlformats.org/presentationml/2006/main" xmlns:r="http://schemas.openxmlformats.org/officeDocument/2006/relationships">
-  <p:cSld>
-    <p:spTree>
-      <p:nvGrpSpPr>
-        <p:cNvPr id="1" name=""/>
-        <p:cNvGrpSpPr/>
-        <p:nvPr/>
-      </p:nvGrpSpPr>
-      <p:grpSpPr/>
-      <p:sp>
-        <p:nvSpPr>
-          <p:cNvPr id="2" name="Text Placeholder 1"/>
-          <p:cNvSpPr>
-            <a:spLocks noGrp="1"/>
-          </p:cNvSpPr>
-          <p:nvPr>
-            <p:ph type="body" idx="10" sz="quarter"/>
-          </p:nvPr>
-        </p:nvSpPr>
-        <p:spPr/>
-        <p:txBody>
-          <a:bodyPr/>
-          <a:lstStyle/>
-          <a:p>
-            <a:r>
-              <a:t>Slide 6: Solution Overview</a:t>
-            </a:r>
-          </a:p>
-        </p:txBody>
-      </p:sp>
-      <p:sp>
-        <p:nvSpPr>
-          <p:cNvPr id="3" name="Picture Placeholder 2"/>
-          <p:cNvSpPr>
-            <a:spLocks noGrp="1"/>
-          </p:cNvSpPr>
-          <p:nvPr>
-            <p:ph type="pic" idx="14" sz="quarter"/>
-          </p:nvPr>
-        </p:nvSpPr>
-        <p:spPr/>
-      </p:sp>
-      <p:sp>
-        <p:nvSpPr>
-          <p:cNvPr id="4" name="Picture Placeholder 3"/>
-          <p:cNvSpPr>
-            <a:spLocks noGrp="1"/>
-          </p:cNvSpPr>
-          <p:nvPr>
-            <p:ph type="pic" idx="15" sz="quarter"/>
-          </p:nvPr>
-        </p:nvSpPr>
-        <p:spPr/>
-      </p:sp>
-      <p:sp>
-        <p:nvSpPr>
-          <p:cNvPr id="5" name="Text Placeholder 4"/>
-          <p:cNvSpPr>
-            <a:spLocks noGrp="1"/>
-          </p:cNvSpPr>
-          <p:nvPr>
-            <p:ph type="body" idx="16" sz="quarter"/>
-          </p:nvPr>
-        </p:nvSpPr>
-        <p:spPr/>
-        <p:txBody>
-          <a:bodyPr/>
-          <a:lstStyle/>
-          <a:p>
-            <a:pPr/>
-            <a:r>
-              <a:rPr b="1"/>
-              <a:t>[Component 1]:</a:t>
-            </a:r>
-            <a:r>
-              <a:t> [Brief description]</a:t>
-            </a:r>
-          </a:p>
-          <a:p>
-            <a:pPr/>
-            <a:r>
-              <a:rPr b="1"/>
-              <a:t>[Component 2]:</a:t>
-            </a:r>
-            <a:r>
-              <a:t> [Brief description]</a:t>
-            </a:r>
-          </a:p>
-          <a:p>
-            <a:pPr/>
-            <a:r>
-              <a:rPr b="1"/>
-              <a:t>[Component 3]:</a:t>
-            </a:r>
-            <a:r>
-              <a:t> [Brief description]</a:t>
-            </a:r>
-          </a:p>
-        </p:txBody>
-      </p:sp>
-    </p:spTree>
-  </p:cSld>
-  <p:clrMapOvr>
-    <a:masterClrMapping/>
-  </p:clrMapOvr>
-</p:sld>
-</file>
-
-<file path=ppt/slides/slide7.xml><?xml version="1.0" encoding="utf-8"?>
 <p:sld xmlns:a="http://schemas.openxmlformats.org/drawingml/2006/main" xmlns:p="http://schemas.openxmlformats.org/presentationml/2006/main" xmlns:r="http://schemas.openxmlformats.org/officeDocument/2006/relationships">
   <p:cSld>
     <p:spTree>
@@ -4967,7 +3420,7 @@
                     <a:lstStyle/>
                     <a:p>
                       <a:r>
-                        <a:rPr b="1" sz="1100"/>
+                        <a:rPr sz="1100"/>
                         <a:t>[Current limitation 3]</a:t>
                       </a:r>
                     </a:p>
@@ -4984,7 +3437,7 @@
                     <a:lstStyle/>
                     <a:p>
                       <a:r>
-                        <a:rPr b="1" sz="1100"/>
+                        <a:rPr sz="1100"/>
                         <a:t>✅ [Our advantage 3]</a:t>
                       </a:r>
                     </a:p>
@@ -5008,7 +3461,7 @@
 </p:sld>
 </file>
 
-<file path=ppt/slides/slide8.xml><?xml version="1.0" encoding="utf-8"?>
+<file path=ppt/slides/slide3.xml><?xml version="1.0" encoding="utf-8"?>
 <p:sld xmlns:a="http://schemas.openxmlformats.org/drawingml/2006/main" xmlns:p="http://schemas.openxmlformats.org/presentationml/2006/main" xmlns:r="http://schemas.openxmlformats.org/officeDocument/2006/relationships">
   <p:cSld>
     <p:spTree>
@@ -5084,7 +3537,7 @@
                     <a:lstStyle/>
                     <a:p>
                       <a:r>
-                        <a:rPr b="1" sz="1400">
+                        <a:rPr sz="1400">
                           <a:solidFill>
                             <a:srgbClr val="FFFFFF"/>
                           </a:solidFill>
@@ -5105,7 +3558,7 @@
                     <a:lstStyle/>
                     <a:p>
                       <a:r>
-                        <a:rPr b="1" sz="1400">
+                        <a:rPr sz="1400">
                           <a:solidFill>
                             <a:srgbClr val="FFFFFF"/>
                           </a:solidFill>
@@ -5272,7 +3725,7 @@
                     <a:lstStyle/>
                     <a:p>
                       <a:r>
-                        <a:rPr b="1" sz="1100"/>
+                        <a:rPr sz="1100"/>
                         <a:t>ROI</a:t>
                       </a:r>
                     </a:p>
@@ -5289,7 +3742,7 @@
                     <a:lstStyle/>
                     <a:p>
                       <a:r>
-                        <a:rPr b="1" sz="1100"/>
+                        <a:rPr sz="1100"/>
                         <a:t>[Percentage]</a:t>
                       </a:r>
                     </a:p>
@@ -5313,7 +3766,7 @@
 </p:sld>
 </file>
 
-<file path=ppt/slides/slide9.xml><?xml version="1.0" encoding="utf-8"?>
+<file path=ppt/slides/slide4.xml><?xml version="1.0" encoding="utf-8"?>
 <p:sld xmlns:a="http://schemas.openxmlformats.org/drawingml/2006/main" xmlns:p="http://schemas.openxmlformats.org/presentationml/2006/main" xmlns:r="http://schemas.openxmlformats.org/officeDocument/2006/relationships">
   <p:cSld>
     <p:spTree>
@@ -5338,8 +3791,10 @@
           <a:bodyPr/>
           <a:lstStyle/>
           <a:p>
+            <a:pPr algn="l"/>
             <a:r>
-              <a:t>Slide 9: Business Value - Strategic Benefits</a:t>
+              <a:rPr b="1"/>
+              <a:t>Slide 11: Risk Mitigation</a:t>
             </a:r>
           </a:p>
         </p:txBody>
@@ -5356,70 +3811,259 @@
         </p:nvSpPr>
         <p:spPr/>
       </p:sp>
-      <p:sp>
-        <p:nvSpPr>
-          <p:cNvPr id="4" name="Text Placeholder 3"/>
-          <p:cNvSpPr>
-            <a:spLocks noGrp="1"/>
-          </p:cNvSpPr>
+      <p:graphicFrame>
+        <p:nvGraphicFramePr>
+          <p:cNvPr id="4" name="Table Placeholder 3"/>
+          <p:cNvGraphicFramePr>
+            <a:graphicFrameLocks noGrp="1"/>
+          </p:cNvGraphicFramePr>
           <p:nvPr>
-            <p:ph type="body" idx="14" sz="quarter"/>
+            <p:ph type="tbl" idx="14" sz="quarter"/>
           </p:nvPr>
-        </p:nvSpPr>
-        <p:spPr/>
-        <p:txBody>
-          <a:bodyPr/>
-          <a:lstStyle/>
-          <a:p>
-            <a:pPr/>
-            <a:r>
-              <a:t>[Specific operational improvement]</a:t>
-            </a:r>
-          </a:p>
-          <a:p>
-            <a:pPr/>
-            <a:r>
-              <a:t>[Efficiency gain with metrics]</a:t>
-            </a:r>
-          </a:p>
-          <a:p>
-            <a:pPr/>
-            <a:r>
-              <a:t>[Strategic differentiator 1]</a:t>
-            </a:r>
-          </a:p>
-          <a:p>
-            <a:pPr/>
-            <a:r>
-              <a:t>[Strategic differentiator 2]</a:t>
-            </a:r>
-          </a:p>
-          <a:p>
-            <a:pPr/>
-            <a:r>
-              <a:t>[Risk reduction 1]</a:t>
-            </a:r>
-          </a:p>
-          <a:p>
-            <a:pPr/>
-            <a:r>
-              <a:t>[Risk reduction 2]</a:t>
-            </a:r>
-          </a:p>
-          <a:p>
-            <a:pPr/>
-            <a:r>
-              <a:t>[Future capability 1]</a:t>
-            </a:r>
-          </a:p>
-          <a:p>
-            <a:pPr/>
-            <a:r>
-              <a:t>[Future capability 2]</a:t>
-            </a:r>
-          </a:p>
-        </p:txBody>
-      </p:sp>
+        </p:nvGraphicFramePr>
+        <p:xfrm>
+          <a:off x="256855" y="677011"/>
+          <a:ext cx="8710932" cy="1483360"/>
+        </p:xfrm>
+        <a:graphic>
+          <a:graphicData uri="http://schemas.openxmlformats.org/drawingml/2006/table">
+            <a:tbl>
+              <a:tblPr firstRow="1" bandRow="1">
+                <a:tableStyleId>{5C22544A-7EE6-4342-B048-85BDC9FD1C3A}</a:tableStyleId>
+              </a:tblPr>
+              <a:tblGrid>
+                <a:gridCol w="2903644"/>
+                <a:gridCol w="2903644"/>
+                <a:gridCol w="2903644"/>
+              </a:tblGrid>
+              <a:tr h="370840">
+                <a:tc>
+                  <a:txBody>
+                    <a:bodyPr/>
+                    <a:lstStyle/>
+                    <a:p>
+                      <a:r>
+                        <a:rPr sz="1400">
+                          <a:solidFill>
+                            <a:srgbClr val="FFFFFF"/>
+                          </a:solidFill>
+                        </a:rPr>
+                        <a:t>Risk</a:t>
+                      </a:r>
+                    </a:p>
+                  </a:txBody>
+                  <a:tcPr>
+                    <a:solidFill>
+                      <a:srgbClr val="A01C02"/>
+                    </a:solidFill>
+                  </a:tcPr>
+                </a:tc>
+                <a:tc>
+                  <a:txBody>
+                    <a:bodyPr/>
+                    <a:lstStyle/>
+                    <a:p>
+                      <a:r>
+                        <a:rPr sz="1400">
+                          <a:solidFill>
+                            <a:srgbClr val="FFFFFF"/>
+                          </a:solidFill>
+                        </a:rPr>
+                        <a:t>Mitigation Strategy</a:t>
+                      </a:r>
+                    </a:p>
+                  </a:txBody>
+                  <a:tcPr>
+                    <a:solidFill>
+                      <a:srgbClr val="A01C02"/>
+                    </a:solidFill>
+                  </a:tcPr>
+                </a:tc>
+                <a:tc>
+                  <a:txBody>
+                    <a:bodyPr/>
+                    <a:lstStyle/>
+                    <a:p>
+                      <a:r>
+                        <a:rPr sz="1400">
+                          <a:solidFill>
+                            <a:srgbClr val="FFFFFF"/>
+                          </a:solidFill>
+                        </a:rPr>
+                        <a:t>Success Probability</a:t>
+                      </a:r>
+                    </a:p>
+                  </a:txBody>
+                  <a:tcPr>
+                    <a:solidFill>
+                      <a:srgbClr val="A01C02"/>
+                    </a:solidFill>
+                  </a:tcPr>
+                </a:tc>
+              </a:tr>
+              <a:tr h="370840">
+                <a:tc>
+                  <a:txBody>
+                    <a:bodyPr/>
+                    <a:lstStyle/>
+                    <a:p>
+                      <a:r>
+                        <a:rPr sz="1100"/>
+                        <a:t>[Risk 1]</a:t>
+                      </a:r>
+                    </a:p>
+                  </a:txBody>
+                  <a:tcPr>
+                    <a:solidFill>
+                      <a:srgbClr val="E7E6E6"/>
+                    </a:solidFill>
+                  </a:tcPr>
+                </a:tc>
+                <a:tc>
+                  <a:txBody>
+                    <a:bodyPr/>
+                    <a:lstStyle/>
+                    <a:p>
+                      <a:r>
+                        <a:rPr sz="1100"/>
+                        <a:t>[Mitigation approach]</a:t>
+                      </a:r>
+                    </a:p>
+                  </a:txBody>
+                  <a:tcPr>
+                    <a:solidFill>
+                      <a:srgbClr val="E7E6E6"/>
+                    </a:solidFill>
+                  </a:tcPr>
+                </a:tc>
+                <a:tc>
+                  <a:txBody>
+                    <a:bodyPr/>
+                    <a:lstStyle/>
+                    <a:p>
+                      <a:r>
+                        <a:rPr sz="1100"/>
+                        <a:t>[Percentage]</a:t>
+                      </a:r>
+                    </a:p>
+                  </a:txBody>
+                  <a:tcPr>
+                    <a:solidFill>
+                      <a:srgbClr val="E7E6E6"/>
+                    </a:solidFill>
+                  </a:tcPr>
+                </a:tc>
+              </a:tr>
+              <a:tr h="370840">
+                <a:tc>
+                  <a:txBody>
+                    <a:bodyPr/>
+                    <a:lstStyle/>
+                    <a:p>
+                      <a:r>
+                        <a:rPr sz="1100"/>
+                        <a:t>[Risk 2]</a:t>
+                      </a:r>
+                    </a:p>
+                  </a:txBody>
+                  <a:tcPr>
+                    <a:solidFill>
+                      <a:srgbClr val="E7E6E6"/>
+                    </a:solidFill>
+                  </a:tcPr>
+                </a:tc>
+                <a:tc>
+                  <a:txBody>
+                    <a:bodyPr/>
+                    <a:lstStyle/>
+                    <a:p>
+                      <a:r>
+                        <a:rPr sz="1100"/>
+                        <a:t>[Mitigation approach]</a:t>
+                      </a:r>
+                    </a:p>
+                  </a:txBody>
+                  <a:tcPr>
+                    <a:solidFill>
+                      <a:srgbClr val="E7E6E6"/>
+                    </a:solidFill>
+                  </a:tcPr>
+                </a:tc>
+                <a:tc>
+                  <a:txBody>
+                    <a:bodyPr/>
+                    <a:lstStyle/>
+                    <a:p>
+                      <a:r>
+                        <a:rPr sz="1100"/>
+                        <a:t>[Percentage]</a:t>
+                      </a:r>
+                    </a:p>
+                  </a:txBody>
+                  <a:tcPr>
+                    <a:solidFill>
+                      <a:srgbClr val="E7E6E6"/>
+                    </a:solidFill>
+                  </a:tcPr>
+                </a:tc>
+              </a:tr>
+              <a:tr h="370840">
+                <a:tc>
+                  <a:txBody>
+                    <a:bodyPr/>
+                    <a:lstStyle/>
+                    <a:p>
+                      <a:r>
+                        <a:rPr sz="1100"/>
+                        <a:t>[Risk 3]</a:t>
+                      </a:r>
+                    </a:p>
+                  </a:txBody>
+                  <a:tcPr>
+                    <a:solidFill>
+                      <a:srgbClr val="E7E6E6"/>
+                    </a:solidFill>
+                  </a:tcPr>
+                </a:tc>
+                <a:tc>
+                  <a:txBody>
+                    <a:bodyPr/>
+                    <a:lstStyle/>
+                    <a:p>
+                      <a:r>
+                        <a:rPr sz="1100"/>
+                        <a:t>[Mitigation approach]</a:t>
+                      </a:r>
+                    </a:p>
+                  </a:txBody>
+                  <a:tcPr>
+                    <a:solidFill>
+                      <a:srgbClr val="E7E6E6"/>
+                    </a:solidFill>
+                  </a:tcPr>
+                </a:tc>
+                <a:tc>
+                  <a:txBody>
+                    <a:bodyPr/>
+                    <a:lstStyle/>
+                    <a:p>
+                      <a:r>
+                        <a:rPr sz="1100"/>
+                        <a:t>[Percentage]</a:t>
+                      </a:r>
+                    </a:p>
+                  </a:txBody>
+                  <a:tcPr>
+                    <a:solidFill>
+                      <a:srgbClr val="E7E6E6"/>
+                    </a:solidFill>
+                  </a:tcPr>
+                </a:tc>
+              </a:tr>
+            </a:tbl>
+          </a:graphicData>
+        </a:graphic>
+      </p:graphicFrame>
     </p:spTree>
   </p:cSld>
   <p:clrMapOvr>

--- a/solutions/github/cyber-security/advanced-security/presales/executive-presentation.pptx
+++ b/solutions/github/cyber-security/advanced-security/presales/executive-presentation.pptx
@@ -3285,7 +3285,7 @@
         </p:nvGraphicFramePr>
         <p:xfrm>
           <a:off x="256855" y="677011"/>
-          <a:ext cx="8710932" cy="1483360"/>
+          <a:ext cx="8710933" cy="1483360"/>
         </p:xfrm>
         <a:graphic>
           <a:graphicData uri="http://schemas.openxmlformats.org/drawingml/2006/table">
@@ -3295,50 +3295,24 @@
               </a:tblPr>
               <a:tblGrid>
                 <a:gridCol w="4355466"/>
-                <a:gridCol w="4355466"/>
+                <a:gridCol w="4355467"/>
               </a:tblGrid>
               <a:tr h="370840">
                 <a:tc>
                   <a:txBody>
                     <a:bodyPr/>
                     <a:lstStyle/>
-                    <a:p>
-                      <a:r>
-                        <a:rPr b="1" sz="1400">
-                          <a:solidFill>
-                            <a:srgbClr val="FFFFFF"/>
-                          </a:solidFill>
-                        </a:rPr>
-                        <a:t>Traditional Approach</a:t>
-                      </a:r>
-                    </a:p>
+                    <a:p/>
                   </a:txBody>
-                  <a:tcPr>
-                    <a:solidFill>
-                      <a:srgbClr val="A01C02"/>
-                    </a:solidFill>
-                  </a:tcPr>
+                  <a:tcPr/>
                 </a:tc>
                 <a:tc>
                   <a:txBody>
                     <a:bodyPr/>
                     <a:lstStyle/>
-                    <a:p>
-                      <a:r>
-                        <a:rPr b="1" sz="1400">
-                          <a:solidFill>
-                            <a:srgbClr val="FFFFFF"/>
-                          </a:solidFill>
-                        </a:rPr>
-                        <a:t>Our Solution</a:t>
-                      </a:r>
-                    </a:p>
+                    <a:p/>
                   </a:txBody>
-                  <a:tcPr>
-                    <a:solidFill>
-                      <a:srgbClr val="A01C02"/>
-                    </a:solidFill>
-                  </a:tcPr>
+                  <a:tcPr/>
                 </a:tc>
               </a:tr>
               <a:tr h="370840">
@@ -3346,35 +3320,17 @@
                   <a:txBody>
                     <a:bodyPr/>
                     <a:lstStyle/>
-                    <a:p>
-                      <a:r>
-                        <a:rPr sz="1100"/>
-                        <a:t>[Current limitation 1]</a:t>
-                      </a:r>
-                    </a:p>
+                    <a:p/>
                   </a:txBody>
-                  <a:tcPr>
-                    <a:solidFill>
-                      <a:srgbClr val="E7E6E6"/>
-                    </a:solidFill>
-                  </a:tcPr>
+                  <a:tcPr/>
                 </a:tc>
                 <a:tc>
                   <a:txBody>
                     <a:bodyPr/>
                     <a:lstStyle/>
-                    <a:p>
-                      <a:r>
-                        <a:rPr sz="1100"/>
-                        <a:t>✅ [Our advantage 1]</a:t>
-                      </a:r>
-                    </a:p>
+                    <a:p/>
                   </a:txBody>
-                  <a:tcPr>
-                    <a:solidFill>
-                      <a:srgbClr val="E7E6E6"/>
-                    </a:solidFill>
-                  </a:tcPr>
+                  <a:tcPr/>
                 </a:tc>
               </a:tr>
               <a:tr h="370840">
@@ -3382,35 +3338,17 @@
                   <a:txBody>
                     <a:bodyPr/>
                     <a:lstStyle/>
-                    <a:p>
-                      <a:r>
-                        <a:rPr sz="1100"/>
-                        <a:t>[Current limitation 2]</a:t>
-                      </a:r>
-                    </a:p>
+                    <a:p/>
                   </a:txBody>
-                  <a:tcPr>
-                    <a:solidFill>
-                      <a:srgbClr val="E7E6E6"/>
-                    </a:solidFill>
-                  </a:tcPr>
+                  <a:tcPr/>
                 </a:tc>
                 <a:tc>
                   <a:txBody>
                     <a:bodyPr/>
                     <a:lstStyle/>
-                    <a:p>
-                      <a:r>
-                        <a:rPr sz="1100"/>
-                        <a:t>✅ [Our advantage 2]</a:t>
-                      </a:r>
-                    </a:p>
+                    <a:p/>
                   </a:txBody>
-                  <a:tcPr>
-                    <a:solidFill>
-                      <a:srgbClr val="E7E6E6"/>
-                    </a:solidFill>
-                  </a:tcPr>
+                  <a:tcPr/>
                 </a:tc>
               </a:tr>
               <a:tr h="370840">
@@ -3418,35 +3356,17 @@
                   <a:txBody>
                     <a:bodyPr/>
                     <a:lstStyle/>
-                    <a:p>
-                      <a:r>
-                        <a:rPr sz="1100"/>
-                        <a:t>[Current limitation 3]</a:t>
-                      </a:r>
-                    </a:p>
+                    <a:p/>
                   </a:txBody>
-                  <a:tcPr>
-                    <a:solidFill>
-                      <a:srgbClr val="E7E6E6"/>
-                    </a:solidFill>
-                  </a:tcPr>
+                  <a:tcPr/>
                 </a:tc>
                 <a:tc>
                   <a:txBody>
                     <a:bodyPr/>
                     <a:lstStyle/>
-                    <a:p>
-                      <a:r>
-                        <a:rPr sz="1100"/>
-                        <a:t>✅ [Our advantage 3]</a:t>
-                      </a:r>
-                    </a:p>
+                    <a:p/>
                   </a:txBody>
-                  <a:tcPr>
-                    <a:solidFill>
-                      <a:srgbClr val="E7E6E6"/>
-                    </a:solidFill>
-                  </a:tcPr>
+                  <a:tcPr/>
                 </a:tc>
               </a:tr>
             </a:tbl>
@@ -3518,7 +3438,7 @@
         </p:nvGraphicFramePr>
         <p:xfrm>
           <a:off x="256855" y="677011"/>
-          <a:ext cx="8710932" cy="2225040"/>
+          <a:ext cx="8710933" cy="2225040"/>
         </p:xfrm>
         <a:graphic>
           <a:graphicData uri="http://schemas.openxmlformats.org/drawingml/2006/table">
@@ -3528,50 +3448,24 @@
               </a:tblPr>
               <a:tblGrid>
                 <a:gridCol w="4355466"/>
-                <a:gridCol w="4355466"/>
+                <a:gridCol w="4355467"/>
               </a:tblGrid>
               <a:tr h="370840">
                 <a:tc>
                   <a:txBody>
                     <a:bodyPr/>
                     <a:lstStyle/>
-                    <a:p>
-                      <a:r>
-                        <a:rPr sz="1400">
-                          <a:solidFill>
-                            <a:srgbClr val="FFFFFF"/>
-                          </a:solidFill>
-                        </a:rPr>
-                        <a:t>Metric</a:t>
-                      </a:r>
-                    </a:p>
+                    <a:p/>
                   </a:txBody>
-                  <a:tcPr>
-                    <a:solidFill>
-                      <a:srgbClr val="A01C02"/>
-                    </a:solidFill>
-                  </a:tcPr>
+                  <a:tcPr/>
                 </a:tc>
                 <a:tc>
                   <a:txBody>
                     <a:bodyPr/>
                     <a:lstStyle/>
-                    <a:p>
-                      <a:r>
-                        <a:rPr sz="1400">
-                          <a:solidFill>
-                            <a:srgbClr val="FFFFFF"/>
-                          </a:solidFill>
-                        </a:rPr>
-                        <a:t>Value</a:t>
-                      </a:r>
-                    </a:p>
+                    <a:p/>
                   </a:txBody>
-                  <a:tcPr>
-                    <a:solidFill>
-                      <a:srgbClr val="A01C02"/>
-                    </a:solidFill>
-                  </a:tcPr>
+                  <a:tcPr/>
                 </a:tc>
               </a:tr>
               <a:tr h="370840">
@@ -3579,35 +3473,17 @@
                   <a:txBody>
                     <a:bodyPr/>
                     <a:lstStyle/>
-                    <a:p>
-                      <a:r>
-                        <a:rPr sz="1100"/>
-                        <a:t>Total Investment</a:t>
-                      </a:r>
-                    </a:p>
+                    <a:p/>
                   </a:txBody>
-                  <a:tcPr>
-                    <a:solidFill>
-                      <a:srgbClr val="E7E6E6"/>
-                    </a:solidFill>
-                  </a:tcPr>
+                  <a:tcPr/>
                 </a:tc>
                 <a:tc>
                   <a:txBody>
                     <a:bodyPr/>
                     <a:lstStyle/>
-                    <a:p>
-                      <a:r>
-                        <a:rPr sz="1100"/>
-                        <a:t>$[Amount]</a:t>
-                      </a:r>
-                    </a:p>
+                    <a:p/>
                   </a:txBody>
-                  <a:tcPr>
-                    <a:solidFill>
-                      <a:srgbClr val="E7E6E6"/>
-                    </a:solidFill>
-                  </a:tcPr>
+                  <a:tcPr/>
                 </a:tc>
               </a:tr>
               <a:tr h="370840">
@@ -3615,35 +3491,17 @@
                   <a:txBody>
                     <a:bodyPr/>
                     <a:lstStyle/>
-                    <a:p>
-                      <a:r>
-                        <a:rPr sz="1100"/>
-                        <a:t>Total Benefits</a:t>
-                      </a:r>
-                    </a:p>
+                    <a:p/>
                   </a:txBody>
-                  <a:tcPr>
-                    <a:solidFill>
-                      <a:srgbClr val="E7E6E6"/>
-                    </a:solidFill>
-                  </a:tcPr>
+                  <a:tcPr/>
                 </a:tc>
                 <a:tc>
                   <a:txBody>
                     <a:bodyPr/>
                     <a:lstStyle/>
-                    <a:p>
-                      <a:r>
-                        <a:rPr sz="1100"/>
-                        <a:t>$[Amount]</a:t>
-                      </a:r>
-                    </a:p>
+                    <a:p/>
                   </a:txBody>
-                  <a:tcPr>
-                    <a:solidFill>
-                      <a:srgbClr val="E7E6E6"/>
-                    </a:solidFill>
-                  </a:tcPr>
+                  <a:tcPr/>
                 </a:tc>
               </a:tr>
               <a:tr h="370840">
@@ -3651,35 +3509,17 @@
                   <a:txBody>
                     <a:bodyPr/>
                     <a:lstStyle/>
-                    <a:p>
-                      <a:r>
-                        <a:rPr sz="1100"/>
-                        <a:t>Net Value</a:t>
-                      </a:r>
-                    </a:p>
+                    <a:p/>
                   </a:txBody>
-                  <a:tcPr>
-                    <a:solidFill>
-                      <a:srgbClr val="E7E6E6"/>
-                    </a:solidFill>
-                  </a:tcPr>
+                  <a:tcPr/>
                 </a:tc>
                 <a:tc>
                   <a:txBody>
                     <a:bodyPr/>
                     <a:lstStyle/>
-                    <a:p>
-                      <a:r>
-                        <a:rPr sz="1100"/>
-                        <a:t>$[Amount]</a:t>
-                      </a:r>
-                    </a:p>
+                    <a:p/>
                   </a:txBody>
-                  <a:tcPr>
-                    <a:solidFill>
-                      <a:srgbClr val="E7E6E6"/>
-                    </a:solidFill>
-                  </a:tcPr>
+                  <a:tcPr/>
                 </a:tc>
               </a:tr>
               <a:tr h="370840">
@@ -3687,35 +3527,17 @@
                   <a:txBody>
                     <a:bodyPr/>
                     <a:lstStyle/>
-                    <a:p>
-                      <a:r>
-                        <a:rPr sz="1100"/>
-                        <a:t>Payback Period</a:t>
-                      </a:r>
-                    </a:p>
+                    <a:p/>
                   </a:txBody>
-                  <a:tcPr>
-                    <a:solidFill>
-                      <a:srgbClr val="E7E6E6"/>
-                    </a:solidFill>
-                  </a:tcPr>
+                  <a:tcPr/>
                 </a:tc>
                 <a:tc>
                   <a:txBody>
                     <a:bodyPr/>
                     <a:lstStyle/>
-                    <a:p>
-                      <a:r>
-                        <a:rPr sz="1100"/>
-                        <a:t>[Months]</a:t>
-                      </a:r>
-                    </a:p>
+                    <a:p/>
                   </a:txBody>
-                  <a:tcPr>
-                    <a:solidFill>
-                      <a:srgbClr val="E7E6E6"/>
-                    </a:solidFill>
-                  </a:tcPr>
+                  <a:tcPr/>
                 </a:tc>
               </a:tr>
               <a:tr h="370840">
@@ -3723,35 +3545,17 @@
                   <a:txBody>
                     <a:bodyPr/>
                     <a:lstStyle/>
-                    <a:p>
-                      <a:r>
-                        <a:rPr sz="1100"/>
-                        <a:t>ROI</a:t>
-                      </a:r>
-                    </a:p>
+                    <a:p/>
                   </a:txBody>
-                  <a:tcPr>
-                    <a:solidFill>
-                      <a:srgbClr val="E7E6E6"/>
-                    </a:solidFill>
-                  </a:tcPr>
+                  <a:tcPr/>
                 </a:tc>
                 <a:tc>
                   <a:txBody>
                     <a:bodyPr/>
                     <a:lstStyle/>
-                    <a:p>
-                      <a:r>
-                        <a:rPr sz="1100"/>
-                        <a:t>[Percentage]</a:t>
-                      </a:r>
-                    </a:p>
+                    <a:p/>
                   </a:txBody>
-                  <a:tcPr>
-                    <a:solidFill>
-                      <a:srgbClr val="E7E6E6"/>
-                    </a:solidFill>
-                  </a:tcPr>
+                  <a:tcPr/>
                 </a:tc>
               </a:tr>
             </a:tbl>
@@ -3823,7 +3627,7 @@
         </p:nvGraphicFramePr>
         <p:xfrm>
           <a:off x="256855" y="677011"/>
-          <a:ext cx="8710932" cy="1483360"/>
+          <a:ext cx="8710933" cy="1483360"/>
         </p:xfrm>
         <a:graphic>
           <a:graphicData uri="http://schemas.openxmlformats.org/drawingml/2006/table">
@@ -3834,71 +3638,32 @@
               <a:tblGrid>
                 <a:gridCol w="2903644"/>
                 <a:gridCol w="2903644"/>
-                <a:gridCol w="2903644"/>
+                <a:gridCol w="2903645"/>
               </a:tblGrid>
               <a:tr h="370840">
                 <a:tc>
                   <a:txBody>
                     <a:bodyPr/>
                     <a:lstStyle/>
-                    <a:p>
-                      <a:r>
-                        <a:rPr sz="1400">
-                          <a:solidFill>
-                            <a:srgbClr val="FFFFFF"/>
-                          </a:solidFill>
-                        </a:rPr>
-                        <a:t>Risk</a:t>
-                      </a:r>
-                    </a:p>
+                    <a:p/>
                   </a:txBody>
-                  <a:tcPr>
-                    <a:solidFill>
-                      <a:srgbClr val="A01C02"/>
-                    </a:solidFill>
-                  </a:tcPr>
+                  <a:tcPr/>
                 </a:tc>
                 <a:tc>
                   <a:txBody>
                     <a:bodyPr/>
                     <a:lstStyle/>
-                    <a:p>
-                      <a:r>
-                        <a:rPr sz="1400">
-                          <a:solidFill>
-                            <a:srgbClr val="FFFFFF"/>
-                          </a:solidFill>
-                        </a:rPr>
-                        <a:t>Mitigation Strategy</a:t>
-                      </a:r>
-                    </a:p>
+                    <a:p/>
                   </a:txBody>
-                  <a:tcPr>
-                    <a:solidFill>
-                      <a:srgbClr val="A01C02"/>
-                    </a:solidFill>
-                  </a:tcPr>
+                  <a:tcPr/>
                 </a:tc>
                 <a:tc>
                   <a:txBody>
                     <a:bodyPr/>
                     <a:lstStyle/>
-                    <a:p>
-                      <a:r>
-                        <a:rPr sz="1400">
-                          <a:solidFill>
-                            <a:srgbClr val="FFFFFF"/>
-                          </a:solidFill>
-                        </a:rPr>
-                        <a:t>Success Probability</a:t>
-                      </a:r>
-                    </a:p>
+                    <a:p/>
                   </a:txBody>
-                  <a:tcPr>
-                    <a:solidFill>
-                      <a:srgbClr val="A01C02"/>
-                    </a:solidFill>
-                  </a:tcPr>
+                  <a:tcPr/>
                 </a:tc>
               </a:tr>
               <a:tr h="370840">
@@ -3906,52 +3671,25 @@
                   <a:txBody>
                     <a:bodyPr/>
                     <a:lstStyle/>
-                    <a:p>
-                      <a:r>
-                        <a:rPr sz="1100"/>
-                        <a:t>[Risk 1]</a:t>
-                      </a:r>
-                    </a:p>
+                    <a:p/>
                   </a:txBody>
-                  <a:tcPr>
-                    <a:solidFill>
-                      <a:srgbClr val="E7E6E6"/>
-                    </a:solidFill>
-                  </a:tcPr>
+                  <a:tcPr/>
                 </a:tc>
                 <a:tc>
                   <a:txBody>
                     <a:bodyPr/>
                     <a:lstStyle/>
-                    <a:p>
-                      <a:r>
-                        <a:rPr sz="1100"/>
-                        <a:t>[Mitigation approach]</a:t>
-                      </a:r>
-                    </a:p>
+                    <a:p/>
                   </a:txBody>
-                  <a:tcPr>
-                    <a:solidFill>
-                      <a:srgbClr val="E7E6E6"/>
-                    </a:solidFill>
-                  </a:tcPr>
+                  <a:tcPr/>
                 </a:tc>
                 <a:tc>
                   <a:txBody>
                     <a:bodyPr/>
                     <a:lstStyle/>
-                    <a:p>
-                      <a:r>
-                        <a:rPr sz="1100"/>
-                        <a:t>[Percentage]</a:t>
-                      </a:r>
-                    </a:p>
+                    <a:p/>
                   </a:txBody>
-                  <a:tcPr>
-                    <a:solidFill>
-                      <a:srgbClr val="E7E6E6"/>
-                    </a:solidFill>
-                  </a:tcPr>
+                  <a:tcPr/>
                 </a:tc>
               </a:tr>
               <a:tr h="370840">
@@ -3959,52 +3697,25 @@
                   <a:txBody>
                     <a:bodyPr/>
                     <a:lstStyle/>
-                    <a:p>
-                      <a:r>
-                        <a:rPr sz="1100"/>
-                        <a:t>[Risk 2]</a:t>
-                      </a:r>
-                    </a:p>
+                    <a:p/>
                   </a:txBody>
-                  <a:tcPr>
-                    <a:solidFill>
-                      <a:srgbClr val="E7E6E6"/>
-                    </a:solidFill>
-                  </a:tcPr>
+                  <a:tcPr/>
                 </a:tc>
                 <a:tc>
                   <a:txBody>
                     <a:bodyPr/>
                     <a:lstStyle/>
-                    <a:p>
-                      <a:r>
-                        <a:rPr sz="1100"/>
-                        <a:t>[Mitigation approach]</a:t>
-                      </a:r>
-                    </a:p>
+                    <a:p/>
                   </a:txBody>
-                  <a:tcPr>
-                    <a:solidFill>
-                      <a:srgbClr val="E7E6E6"/>
-                    </a:solidFill>
-                  </a:tcPr>
+                  <a:tcPr/>
                 </a:tc>
                 <a:tc>
                   <a:txBody>
                     <a:bodyPr/>
                     <a:lstStyle/>
-                    <a:p>
-                      <a:r>
-                        <a:rPr sz="1100"/>
-                        <a:t>[Percentage]</a:t>
-                      </a:r>
-                    </a:p>
+                    <a:p/>
                   </a:txBody>
-                  <a:tcPr>
-                    <a:solidFill>
-                      <a:srgbClr val="E7E6E6"/>
-                    </a:solidFill>
-                  </a:tcPr>
+                  <a:tcPr/>
                 </a:tc>
               </a:tr>
               <a:tr h="370840">
@@ -4012,52 +3723,25 @@
                   <a:txBody>
                     <a:bodyPr/>
                     <a:lstStyle/>
-                    <a:p>
-                      <a:r>
-                        <a:rPr sz="1100"/>
-                        <a:t>[Risk 3]</a:t>
-                      </a:r>
-                    </a:p>
+                    <a:p/>
                   </a:txBody>
-                  <a:tcPr>
-                    <a:solidFill>
-                      <a:srgbClr val="E7E6E6"/>
-                    </a:solidFill>
-                  </a:tcPr>
+                  <a:tcPr/>
                 </a:tc>
                 <a:tc>
                   <a:txBody>
                     <a:bodyPr/>
                     <a:lstStyle/>
-                    <a:p>
-                      <a:r>
-                        <a:rPr sz="1100"/>
-                        <a:t>[Mitigation approach]</a:t>
-                      </a:r>
-                    </a:p>
+                    <a:p/>
                   </a:txBody>
-                  <a:tcPr>
-                    <a:solidFill>
-                      <a:srgbClr val="E7E6E6"/>
-                    </a:solidFill>
-                  </a:tcPr>
+                  <a:tcPr/>
                 </a:tc>
                 <a:tc>
                   <a:txBody>
                     <a:bodyPr/>
                     <a:lstStyle/>
-                    <a:p>
-                      <a:r>
-                        <a:rPr sz="1100"/>
-                        <a:t>[Percentage]</a:t>
-                      </a:r>
-                    </a:p>
+                    <a:p/>
                   </a:txBody>
-                  <a:tcPr>
-                    <a:solidFill>
-                      <a:srgbClr val="E7E6E6"/>
-                    </a:solidFill>
-                  </a:tcPr>
+                  <a:tcPr/>
                 </a:tc>
               </a:tr>
             </a:tbl>
